--- a/poster/framework.pptx
+++ b/poster/framework.pptx
@@ -264,7 +264,7 @@
           <a:p>
             <a:fld id="{CE9C0BE7-33FE-4DFB-BD9D-FFE1B6FAAC77}" type="datetimeFigureOut">
               <a:rPr lang="en-US" smtClean="0"/>
-              <a:t>8/14/2021</a:t>
+              <a:t>8/15/2021</a:t>
             </a:fld>
             <a:endParaRPr lang="en-US"/>
           </a:p>
@@ -462,7 +462,7 @@
           <a:p>
             <a:fld id="{CE9C0BE7-33FE-4DFB-BD9D-FFE1B6FAAC77}" type="datetimeFigureOut">
               <a:rPr lang="en-US" smtClean="0"/>
-              <a:t>8/14/2021</a:t>
+              <a:t>8/15/2021</a:t>
             </a:fld>
             <a:endParaRPr lang="en-US"/>
           </a:p>
@@ -670,7 +670,7 @@
           <a:p>
             <a:fld id="{CE9C0BE7-33FE-4DFB-BD9D-FFE1B6FAAC77}" type="datetimeFigureOut">
               <a:rPr lang="en-US" smtClean="0"/>
-              <a:t>8/14/2021</a:t>
+              <a:t>8/15/2021</a:t>
             </a:fld>
             <a:endParaRPr lang="en-US"/>
           </a:p>
@@ -868,7 +868,7 @@
           <a:p>
             <a:fld id="{CE9C0BE7-33FE-4DFB-BD9D-FFE1B6FAAC77}" type="datetimeFigureOut">
               <a:rPr lang="en-US" smtClean="0"/>
-              <a:t>8/14/2021</a:t>
+              <a:t>8/15/2021</a:t>
             </a:fld>
             <a:endParaRPr lang="en-US"/>
           </a:p>
@@ -1143,7 +1143,7 @@
           <a:p>
             <a:fld id="{CE9C0BE7-33FE-4DFB-BD9D-FFE1B6FAAC77}" type="datetimeFigureOut">
               <a:rPr lang="en-US" smtClean="0"/>
-              <a:t>8/14/2021</a:t>
+              <a:t>8/15/2021</a:t>
             </a:fld>
             <a:endParaRPr lang="en-US"/>
           </a:p>
@@ -1408,7 +1408,7 @@
           <a:p>
             <a:fld id="{CE9C0BE7-33FE-4DFB-BD9D-FFE1B6FAAC77}" type="datetimeFigureOut">
               <a:rPr lang="en-US" smtClean="0"/>
-              <a:t>8/14/2021</a:t>
+              <a:t>8/15/2021</a:t>
             </a:fld>
             <a:endParaRPr lang="en-US"/>
           </a:p>
@@ -1820,7 +1820,7 @@
           <a:p>
             <a:fld id="{CE9C0BE7-33FE-4DFB-BD9D-FFE1B6FAAC77}" type="datetimeFigureOut">
               <a:rPr lang="en-US" smtClean="0"/>
-              <a:t>8/14/2021</a:t>
+              <a:t>8/15/2021</a:t>
             </a:fld>
             <a:endParaRPr lang="en-US"/>
           </a:p>
@@ -1961,7 +1961,7 @@
           <a:p>
             <a:fld id="{CE9C0BE7-33FE-4DFB-BD9D-FFE1B6FAAC77}" type="datetimeFigureOut">
               <a:rPr lang="en-US" smtClean="0"/>
-              <a:t>8/14/2021</a:t>
+              <a:t>8/15/2021</a:t>
             </a:fld>
             <a:endParaRPr lang="en-US"/>
           </a:p>
@@ -2074,7 +2074,7 @@
           <a:p>
             <a:fld id="{CE9C0BE7-33FE-4DFB-BD9D-FFE1B6FAAC77}" type="datetimeFigureOut">
               <a:rPr lang="en-US" smtClean="0"/>
-              <a:t>8/14/2021</a:t>
+              <a:t>8/15/2021</a:t>
             </a:fld>
             <a:endParaRPr lang="en-US"/>
           </a:p>
@@ -2385,7 +2385,7 @@
           <a:p>
             <a:fld id="{CE9C0BE7-33FE-4DFB-BD9D-FFE1B6FAAC77}" type="datetimeFigureOut">
               <a:rPr lang="en-US" smtClean="0"/>
-              <a:t>8/14/2021</a:t>
+              <a:t>8/15/2021</a:t>
             </a:fld>
             <a:endParaRPr lang="en-US"/>
           </a:p>
@@ -2673,7 +2673,7 @@
           <a:p>
             <a:fld id="{CE9C0BE7-33FE-4DFB-BD9D-FFE1B6FAAC77}" type="datetimeFigureOut">
               <a:rPr lang="en-US" smtClean="0"/>
-              <a:t>8/14/2021</a:t>
+              <a:t>8/15/2021</a:t>
             </a:fld>
             <a:endParaRPr lang="en-US"/>
           </a:p>
@@ -2914,7 +2914,7 @@
           <a:p>
             <a:fld id="{CE9C0BE7-33FE-4DFB-BD9D-FFE1B6FAAC77}" type="datetimeFigureOut">
               <a:rPr lang="en-US" smtClean="0"/>
-              <a:t>8/14/2021</a:t>
+              <a:t>8/15/2021</a:t>
             </a:fld>
             <a:endParaRPr lang="en-US"/>
           </a:p>
@@ -4744,7 +4744,7 @@
         <p:spPr>
           <a:xfrm>
             <a:off x="2403964" y="3478415"/>
-            <a:ext cx="3600000" cy="1368000"/>
+            <a:ext cx="3600000" cy="923330"/>
           </a:xfrm>
           <a:prstGeom prst="rect">
             <a:avLst/>
@@ -4765,8 +4765,13 @@
           <a:p>
             <a:r>
               <a:rPr lang="en-SG" dirty="0"/>
-              <a:t>-Customize selections and inputs for users to explore various setarious</a:t>
-            </a:r>
+              <a:t>-Customize selections and inputs for users to explore various </a:t>
+            </a:r>
+            <a:r>
+              <a:rPr lang="en-US" dirty="0"/>
+              <a:t>approaches</a:t>
+            </a:r>
+            <a:endParaRPr lang="en-SG" dirty="0"/>
           </a:p>
         </p:txBody>
       </p:sp>
